--- a/iOS/InstrumentDriver/Athrun Instrument Driver.pptx
+++ b/iOS/InstrumentDriver/Athrun Instrument Driver.pptx
@@ -5,7 +5,7 @@
     <p:sldMasterId id="2147483660" r:id="rId1"/>
   </p:sldMasterIdLst>
   <p:notesMasterIdLst>
-    <p:notesMasterId r:id="rId12"/>
+    <p:notesMasterId r:id="rId16"/>
   </p:notesMasterIdLst>
   <p:sldIdLst>
     <p:sldId id="256" r:id="rId2"/>
@@ -17,7 +17,11 @@
     <p:sldId id="284" r:id="rId8"/>
     <p:sldId id="285" r:id="rId9"/>
     <p:sldId id="283" r:id="rId10"/>
-    <p:sldId id="270" r:id="rId11"/>
+    <p:sldId id="286" r:id="rId11"/>
+    <p:sldId id="288" r:id="rId12"/>
+    <p:sldId id="289" r:id="rId13"/>
+    <p:sldId id="287" r:id="rId14"/>
+    <p:sldId id="270" r:id="rId15"/>
   </p:sldIdLst>
   <p:sldSz cx="9144000" cy="6858000" type="screen4x3"/>
   <p:notesSz cx="6858000" cy="9144000"/>
@@ -7556,7 +7560,7 @@
             <a:fld id="{03692B02-11D6-4345-AD2D-9DDEA0810118}" type="datetimeFigureOut">
               <a:rPr lang="zh-CN" altLang="en-US" smtClean="0"/>
               <a:pPr/>
-              <a:t>2012/7/3</a:t>
+              <a:t>2012-7-4</a:t>
             </a:fld>
             <a:endParaRPr lang="zh-CN" altLang="en-US"/>
           </a:p>
@@ -9068,7 +9072,7 @@
             <a:fld id="{EB469D92-D4DE-4D0C-BAE5-2FB31772578C}" type="datetimeFigureOut">
               <a:rPr lang="zh-CN" altLang="en-US" smtClean="0"/>
               <a:pPr/>
-              <a:t>2012/7/3</a:t>
+              <a:t>2012-7-4</a:t>
             </a:fld>
             <a:endParaRPr lang="zh-CN" altLang="en-US"/>
           </a:p>
@@ -9253,7 +9257,7 @@
             <a:fld id="{EB469D92-D4DE-4D0C-BAE5-2FB31772578C}" type="datetimeFigureOut">
               <a:rPr lang="zh-CN" altLang="en-US" smtClean="0"/>
               <a:pPr/>
-              <a:t>2012/7/3</a:t>
+              <a:t>2012-7-4</a:t>
             </a:fld>
             <a:endParaRPr lang="zh-CN" altLang="en-US"/>
           </a:p>
@@ -9448,7 +9452,7 @@
             <a:fld id="{EB469D92-D4DE-4D0C-BAE5-2FB31772578C}" type="datetimeFigureOut">
               <a:rPr lang="zh-CN" altLang="en-US" smtClean="0"/>
               <a:pPr/>
-              <a:t>2012/7/3</a:t>
+              <a:t>2012-7-4</a:t>
             </a:fld>
             <a:endParaRPr lang="zh-CN" altLang="en-US"/>
           </a:p>
@@ -9633,7 +9637,7 @@
             <a:fld id="{EB469D92-D4DE-4D0C-BAE5-2FB31772578C}" type="datetimeFigureOut">
               <a:rPr lang="zh-CN" altLang="en-US" smtClean="0"/>
               <a:pPr/>
-              <a:t>2012/7/3</a:t>
+              <a:t>2012-7-4</a:t>
             </a:fld>
             <a:endParaRPr lang="zh-CN" altLang="en-US"/>
           </a:p>
@@ -9840,7 +9844,7 @@
             <a:fld id="{EB469D92-D4DE-4D0C-BAE5-2FB31772578C}" type="datetimeFigureOut">
               <a:rPr lang="zh-CN" altLang="en-US" smtClean="0"/>
               <a:pPr/>
-              <a:t>2012/7/3</a:t>
+              <a:t>2012-7-4</a:t>
             </a:fld>
             <a:endParaRPr lang="zh-CN" altLang="en-US"/>
           </a:p>
@@ -10143,7 +10147,7 @@
             <a:fld id="{EB469D92-D4DE-4D0C-BAE5-2FB31772578C}" type="datetimeFigureOut">
               <a:rPr lang="zh-CN" altLang="en-US" smtClean="0"/>
               <a:pPr/>
-              <a:t>2012/7/3</a:t>
+              <a:t>2012-7-4</a:t>
             </a:fld>
             <a:endParaRPr lang="zh-CN" altLang="en-US"/>
           </a:p>
@@ -10580,7 +10584,7 @@
             <a:fld id="{EB469D92-D4DE-4D0C-BAE5-2FB31772578C}" type="datetimeFigureOut">
               <a:rPr lang="zh-CN" altLang="en-US" smtClean="0"/>
               <a:pPr/>
-              <a:t>2012/7/3</a:t>
+              <a:t>2012-7-4</a:t>
             </a:fld>
             <a:endParaRPr lang="zh-CN" altLang="en-US"/>
           </a:p>
@@ -10713,7 +10717,7 @@
             <a:fld id="{EB469D92-D4DE-4D0C-BAE5-2FB31772578C}" type="datetimeFigureOut">
               <a:rPr lang="zh-CN" altLang="en-US" smtClean="0"/>
               <a:pPr/>
-              <a:t>2012/7/3</a:t>
+              <a:t>2012-7-4</a:t>
             </a:fld>
             <a:endParaRPr lang="zh-CN" altLang="en-US"/>
           </a:p>
@@ -10823,7 +10827,7 @@
             <a:fld id="{EB469D92-D4DE-4D0C-BAE5-2FB31772578C}" type="datetimeFigureOut">
               <a:rPr lang="zh-CN" altLang="en-US" smtClean="0"/>
               <a:pPr/>
-              <a:t>2012/7/3</a:t>
+              <a:t>2012-7-4</a:t>
             </a:fld>
             <a:endParaRPr lang="zh-CN" altLang="en-US"/>
           </a:p>
@@ -11115,7 +11119,7 @@
             <a:fld id="{EB469D92-D4DE-4D0C-BAE5-2FB31772578C}" type="datetimeFigureOut">
               <a:rPr lang="zh-CN" altLang="en-US" smtClean="0"/>
               <a:pPr/>
-              <a:t>2012/7/3</a:t>
+              <a:t>2012-7-4</a:t>
             </a:fld>
             <a:endParaRPr lang="zh-CN" altLang="en-US"/>
           </a:p>
@@ -11387,7 +11391,7 @@
             <a:fld id="{EB469D92-D4DE-4D0C-BAE5-2FB31772578C}" type="datetimeFigureOut">
               <a:rPr lang="zh-CN" altLang="en-US" smtClean="0"/>
               <a:pPr/>
-              <a:t>2012/7/3</a:t>
+              <a:t>2012-7-4</a:t>
             </a:fld>
             <a:endParaRPr lang="zh-CN" altLang="en-US"/>
           </a:p>
@@ -11639,7 +11643,7 @@
             <a:fld id="{EB469D92-D4DE-4D0C-BAE5-2FB31772578C}" type="datetimeFigureOut">
               <a:rPr lang="zh-CN" altLang="en-US" smtClean="0"/>
               <a:pPr/>
-              <a:t>2012/7/3</a:t>
+              <a:t>2012-7-4</a:t>
             </a:fld>
             <a:endParaRPr lang="zh-CN" altLang="en-US"/>
           </a:p>
@@ -12313,6 +12317,1269 @@
 <file path=ppt/slides/slide10.xml><?xml version="1.0" encoding="utf-8"?>
 <p:sld xmlns:a="http://schemas.openxmlformats.org/drawingml/2006/main" xmlns:r="http://schemas.openxmlformats.org/officeDocument/2006/relationships" xmlns:p="http://schemas.openxmlformats.org/presentationml/2006/main">
   <p:cSld>
+    <p:spTree>
+      <p:nvGrpSpPr>
+        <p:cNvPr id="1" name=""/>
+        <p:cNvGrpSpPr/>
+        <p:nvPr/>
+      </p:nvGrpSpPr>
+      <p:grpSpPr>
+        <a:xfrm>
+          <a:off x="0" y="0"/>
+          <a:ext cx="0" cy="0"/>
+          <a:chOff x="0" y="0"/>
+          <a:chExt cx="0" cy="0"/>
+        </a:xfrm>
+      </p:grpSpPr>
+      <p:sp>
+        <p:nvSpPr>
+          <p:cNvPr id="2" name="标题 1"/>
+          <p:cNvSpPr>
+            <a:spLocks noGrp="1"/>
+          </p:cNvSpPr>
+          <p:nvPr>
+            <p:ph type="title"/>
+          </p:nvPr>
+        </p:nvSpPr>
+        <p:spPr/>
+        <p:txBody>
+          <a:bodyPr/>
+          <a:lstStyle/>
+          <a:p>
+            <a:r>
+              <a:rPr lang="en-US" altLang="zh-CN" dirty="0" smtClean="0"/>
+              <a:t>API</a:t>
+            </a:r>
+            <a:r>
+              <a:rPr lang="zh-CN" altLang="en-US" dirty="0" smtClean="0"/>
+              <a:t>介绍</a:t>
+            </a:r>
+            <a:endParaRPr lang="zh-CN" altLang="en-US" dirty="0"/>
+          </a:p>
+        </p:txBody>
+      </p:sp>
+      <p:sp>
+        <p:nvSpPr>
+          <p:cNvPr id="3" name="内容占位符 2"/>
+          <p:cNvSpPr>
+            <a:spLocks noGrp="1"/>
+          </p:cNvSpPr>
+          <p:nvPr>
+            <p:ph sz="half" idx="1"/>
+          </p:nvPr>
+        </p:nvSpPr>
+        <p:spPr>
+          <a:xfrm>
+            <a:off x="457200" y="1340768"/>
+            <a:ext cx="4186808" cy="4785395"/>
+          </a:xfrm>
+        </p:spPr>
+        <p:txBody>
+          <a:bodyPr/>
+          <a:lstStyle/>
+          <a:p>
+            <a:r>
+              <a:rPr lang="en-US" altLang="zh-CN" dirty="0" smtClean="0"/>
+              <a:t>API</a:t>
+            </a:r>
+            <a:r>
+              <a:rPr lang="zh-CN" altLang="en-US" dirty="0" smtClean="0"/>
+              <a:t>风格：</a:t>
+            </a:r>
+            <a:endParaRPr lang="en-US" altLang="zh-CN" dirty="0" smtClean="0"/>
+          </a:p>
+          <a:p>
+            <a:pPr lvl="1"/>
+            <a:r>
+              <a:rPr lang="zh-CN" altLang="en-US" dirty="0" smtClean="0"/>
+              <a:t>面向</a:t>
+            </a:r>
+            <a:r>
+              <a:rPr lang="en-US" altLang="zh-CN" dirty="0" smtClean="0"/>
+              <a:t>UI</a:t>
+            </a:r>
+            <a:r>
+              <a:rPr lang="zh-CN" altLang="en-US" dirty="0" smtClean="0"/>
+              <a:t>对象</a:t>
+            </a:r>
+            <a:endParaRPr lang="en-US" altLang="zh-CN" dirty="0" smtClean="0"/>
+          </a:p>
+          <a:p>
+            <a:pPr lvl="1"/>
+            <a:r>
+              <a:rPr lang="zh-CN" altLang="en-US" dirty="0" smtClean="0"/>
+              <a:t>支持数组</a:t>
+            </a:r>
+            <a:endParaRPr lang="en-US" altLang="zh-CN" dirty="0" smtClean="0"/>
+          </a:p>
+          <a:p>
+            <a:pPr lvl="1"/>
+            <a:r>
+              <a:rPr lang="zh-CN" altLang="en-US" dirty="0" smtClean="0"/>
+              <a:t>与</a:t>
+            </a:r>
+            <a:r>
+              <a:rPr lang="en-US" altLang="zh-CN" dirty="0" err="1" smtClean="0"/>
+              <a:t>UIAutomation</a:t>
+            </a:r>
+            <a:r>
+              <a:rPr lang="zh-CN" altLang="en-US" dirty="0" smtClean="0"/>
+              <a:t>兼容</a:t>
+            </a:r>
+            <a:endParaRPr lang="en-US" altLang="zh-CN" dirty="0" smtClean="0"/>
+          </a:p>
+          <a:p>
+            <a:pPr lvl="1"/>
+            <a:r>
+              <a:rPr lang="zh-CN" altLang="en-US" dirty="0" smtClean="0"/>
+              <a:t>录制的脚本可以运行</a:t>
+            </a:r>
+            <a:endParaRPr lang="en-US" altLang="zh-CN" dirty="0" smtClean="0"/>
+          </a:p>
+          <a:p>
+            <a:r>
+              <a:rPr lang="zh-CN" altLang="en-US" dirty="0" smtClean="0"/>
+              <a:t>根节点：</a:t>
+            </a:r>
+            <a:endParaRPr lang="en-US" altLang="zh-CN" dirty="0" smtClean="0"/>
+          </a:p>
+          <a:p>
+            <a:pPr lvl="1"/>
+            <a:r>
+              <a:rPr lang="en-US" altLang="zh-CN" dirty="0" err="1" smtClean="0"/>
+              <a:t>UIATarget</a:t>
+            </a:r>
+            <a:endParaRPr lang="en-US" altLang="zh-CN" dirty="0" smtClean="0"/>
+          </a:p>
+          <a:p>
+            <a:pPr lvl="2"/>
+            <a:r>
+              <a:rPr lang="en-US" altLang="zh-CN" dirty="0" smtClean="0"/>
+              <a:t>static </a:t>
+            </a:r>
+            <a:r>
+              <a:rPr lang="en-US" altLang="zh-CN" dirty="0" err="1" smtClean="0"/>
+              <a:t>localTarget</a:t>
+            </a:r>
+            <a:r>
+              <a:rPr lang="en-US" altLang="zh-CN" dirty="0" smtClean="0"/>
+              <a:t>()</a:t>
+            </a:r>
+          </a:p>
+          <a:p>
+            <a:pPr lvl="2"/>
+            <a:r>
+              <a:rPr lang="en-US" altLang="zh-CN" dirty="0" err="1" smtClean="0"/>
+              <a:t>printElementTree</a:t>
+            </a:r>
+            <a:endParaRPr lang="en-US" altLang="zh-CN" dirty="0" smtClean="0"/>
+          </a:p>
+          <a:p>
+            <a:pPr lvl="2"/>
+            <a:r>
+              <a:rPr lang="en-US" altLang="zh-CN" dirty="0" err="1" smtClean="0"/>
+              <a:t>scrollUp</a:t>
+            </a:r>
+            <a:r>
+              <a:rPr lang="en-US" altLang="zh-CN" dirty="0" smtClean="0"/>
+              <a:t>/Down/Left/Right</a:t>
+            </a:r>
+          </a:p>
+          <a:p>
+            <a:pPr lvl="2"/>
+            <a:r>
+              <a:rPr lang="en-US" altLang="zh-CN" dirty="0" err="1" smtClean="0"/>
+              <a:t>frontMostApp</a:t>
+            </a:r>
+            <a:endParaRPr lang="en-US" altLang="zh-CN" dirty="0" smtClean="0"/>
+          </a:p>
+          <a:p>
+            <a:pPr lvl="1"/>
+            <a:r>
+              <a:rPr lang="en-US" altLang="zh-CN" dirty="0" err="1" smtClean="0"/>
+              <a:t>UIAApplication</a:t>
+            </a:r>
+            <a:endParaRPr lang="en-US" altLang="zh-CN" dirty="0" smtClean="0"/>
+          </a:p>
+          <a:p>
+            <a:pPr lvl="1"/>
+            <a:endParaRPr lang="en-US" altLang="zh-CN" dirty="0" smtClean="0"/>
+          </a:p>
+        </p:txBody>
+      </p:sp>
+      <p:sp>
+        <p:nvSpPr>
+          <p:cNvPr id="4" name="内容占位符 3"/>
+          <p:cNvSpPr>
+            <a:spLocks noGrp="1"/>
+          </p:cNvSpPr>
+          <p:nvPr>
+            <p:ph sz="half" idx="2"/>
+          </p:nvPr>
+        </p:nvSpPr>
+        <p:spPr>
+          <a:xfrm>
+            <a:off x="4283968" y="1340768"/>
+            <a:ext cx="4680520" cy="4785395"/>
+          </a:xfrm>
+        </p:spPr>
+        <p:txBody>
+          <a:bodyPr/>
+          <a:lstStyle/>
+          <a:p>
+            <a:pPr lvl="2"/>
+            <a:r>
+              <a:rPr lang="en-US" altLang="zh-CN" dirty="0" smtClean="0"/>
+              <a:t>alert</a:t>
+            </a:r>
+          </a:p>
+          <a:p>
+            <a:pPr lvl="2"/>
+            <a:r>
+              <a:rPr lang="en-US" altLang="zh-CN" dirty="0" smtClean="0"/>
+              <a:t>keyboard</a:t>
+            </a:r>
+            <a:endParaRPr lang="en-US" altLang="zh-CN" dirty="0" smtClean="0"/>
+          </a:p>
+          <a:p>
+            <a:pPr lvl="2"/>
+            <a:r>
+              <a:rPr lang="en-US" altLang="zh-CN" dirty="0" err="1" smtClean="0"/>
+              <a:t>UIANavigationBar</a:t>
+            </a:r>
+            <a:endParaRPr lang="en-US" altLang="zh-CN" dirty="0" smtClean="0"/>
+          </a:p>
+          <a:p>
+            <a:pPr lvl="2"/>
+            <a:r>
+              <a:rPr lang="en-US" altLang="zh-CN" dirty="0" err="1" smtClean="0"/>
+              <a:t>mainWindow</a:t>
+            </a:r>
+            <a:endParaRPr lang="en-US" altLang="zh-CN" dirty="0" smtClean="0"/>
+          </a:p>
+          <a:p>
+            <a:pPr lvl="2"/>
+            <a:r>
+              <a:rPr lang="en-US" altLang="zh-CN" i="1" dirty="0" smtClean="0"/>
+              <a:t>win=</a:t>
+            </a:r>
+            <a:r>
+              <a:rPr lang="en-US" altLang="zh-CN" i="1" dirty="0" err="1" smtClean="0"/>
+              <a:t>UIATarget.localTarget</a:t>
+            </a:r>
+            <a:r>
+              <a:rPr lang="en-US" altLang="zh-CN" i="1" dirty="0" smtClean="0"/>
+              <a:t>().</a:t>
+            </a:r>
+            <a:r>
+              <a:rPr lang="en-US" altLang="zh-CN" i="1" dirty="0" err="1" smtClean="0"/>
+              <a:t>frontMostApp</a:t>
+            </a:r>
+            <a:r>
+              <a:rPr lang="en-US" altLang="zh-CN" i="1" dirty="0" smtClean="0"/>
+              <a:t>().</a:t>
+            </a:r>
+            <a:r>
+              <a:rPr lang="en-US" altLang="zh-CN" i="1" dirty="0" err="1" smtClean="0"/>
+              <a:t>mainWindow</a:t>
+            </a:r>
+            <a:r>
+              <a:rPr lang="en-US" altLang="zh-CN" i="1" dirty="0" smtClean="0"/>
+              <a:t>()</a:t>
+            </a:r>
+            <a:endParaRPr lang="en-US" altLang="zh-CN" i="1" dirty="0" smtClean="0"/>
+          </a:p>
+          <a:p>
+            <a:pPr lvl="1"/>
+            <a:r>
+              <a:rPr lang="en-US" altLang="zh-CN" dirty="0" err="1" smtClean="0"/>
+              <a:t>UIAWindow</a:t>
+            </a:r>
+            <a:r>
+              <a:rPr lang="en-US" altLang="zh-CN" dirty="0" smtClean="0"/>
+              <a:t>(win)</a:t>
+            </a:r>
+          </a:p>
+          <a:p>
+            <a:pPr lvl="2"/>
+            <a:r>
+              <a:rPr lang="zh-CN" altLang="en-US" dirty="0" smtClean="0"/>
+              <a:t>继承自</a:t>
+            </a:r>
+            <a:r>
+              <a:rPr lang="en-US" altLang="zh-CN" dirty="0" err="1" smtClean="0"/>
+              <a:t>UIAElement</a:t>
+            </a:r>
+            <a:endParaRPr lang="en-US" altLang="zh-CN" dirty="0" smtClean="0"/>
+          </a:p>
+          <a:p>
+            <a:pPr lvl="1"/>
+            <a:r>
+              <a:rPr lang="en-US" altLang="zh-CN" dirty="0" err="1" smtClean="0"/>
+              <a:t>UIAElement</a:t>
+            </a:r>
+            <a:endParaRPr lang="en-US" altLang="zh-CN" dirty="0" smtClean="0"/>
+          </a:p>
+          <a:p>
+            <a:pPr lvl="2"/>
+            <a:r>
+              <a:rPr lang="en-US" altLang="zh-CN" dirty="0" smtClean="0"/>
+              <a:t>elements</a:t>
+            </a:r>
+          </a:p>
+          <a:p>
+            <a:pPr lvl="2"/>
+            <a:r>
+              <a:rPr lang="en-US" altLang="zh-CN" dirty="0" smtClean="0"/>
+              <a:t>T </a:t>
+            </a:r>
+            <a:r>
+              <a:rPr lang="en-US" altLang="zh-CN" dirty="0" err="1" smtClean="0"/>
+              <a:t>findElementByText</a:t>
+            </a:r>
+            <a:r>
+              <a:rPr lang="en-US" altLang="zh-CN" dirty="0" smtClean="0"/>
+              <a:t>(String text, Class&lt;T&gt; </a:t>
+            </a:r>
+            <a:r>
+              <a:rPr lang="en-US" altLang="zh-CN" dirty="0" err="1" smtClean="0"/>
+              <a:t>elmentType</a:t>
+            </a:r>
+            <a:r>
+              <a:rPr lang="en-US" altLang="zh-CN" dirty="0" smtClean="0"/>
+              <a:t>)</a:t>
+            </a:r>
+          </a:p>
+          <a:p>
+            <a:pPr lvl="2"/>
+            <a:r>
+              <a:rPr lang="en-US" altLang="zh-CN" dirty="0" smtClean="0"/>
+              <a:t>tap</a:t>
+            </a:r>
+          </a:p>
+          <a:p>
+            <a:pPr lvl="2"/>
+            <a:r>
+              <a:rPr lang="en-US" altLang="zh-CN" dirty="0" err="1" smtClean="0"/>
+              <a:t>touchAndHold</a:t>
+            </a:r>
+            <a:endParaRPr lang="en-US" altLang="zh-CN" dirty="0" smtClean="0"/>
+          </a:p>
+          <a:p>
+            <a:pPr lvl="2"/>
+            <a:endParaRPr lang="zh-CN" altLang="en-US" dirty="0"/>
+          </a:p>
+        </p:txBody>
+      </p:sp>
+    </p:spTree>
+  </p:cSld>
+  <p:clrMapOvr>
+    <a:masterClrMapping/>
+  </p:clrMapOvr>
+  <p:timing>
+    <p:tnLst>
+      <p:par>
+        <p:cTn id="1" dur="indefinite" restart="never" nodeType="tmRoot"/>
+      </p:par>
+    </p:tnLst>
+  </p:timing>
+</p:sld>
+</file>
+
+<file path=ppt/slides/slide11.xml><?xml version="1.0" encoding="utf-8"?>
+<p:sld xmlns:a="http://schemas.openxmlformats.org/drawingml/2006/main" xmlns:r="http://schemas.openxmlformats.org/officeDocument/2006/relationships" xmlns:p="http://schemas.openxmlformats.org/presentationml/2006/main">
+  <p:cSld>
+    <p:spTree>
+      <p:nvGrpSpPr>
+        <p:cNvPr id="1" name=""/>
+        <p:cNvGrpSpPr/>
+        <p:nvPr/>
+      </p:nvGrpSpPr>
+      <p:grpSpPr>
+        <a:xfrm>
+          <a:off x="0" y="0"/>
+          <a:ext cx="0" cy="0"/>
+          <a:chOff x="0" y="0"/>
+          <a:chExt cx="0" cy="0"/>
+        </a:xfrm>
+      </p:grpSpPr>
+      <p:sp>
+        <p:nvSpPr>
+          <p:cNvPr id="2" name="标题 1"/>
+          <p:cNvSpPr>
+            <a:spLocks noGrp="1"/>
+          </p:cNvSpPr>
+          <p:nvPr>
+            <p:ph type="title"/>
+          </p:nvPr>
+        </p:nvSpPr>
+        <p:spPr/>
+        <p:txBody>
+          <a:bodyPr/>
+          <a:lstStyle/>
+          <a:p>
+            <a:r>
+              <a:rPr lang="zh-CN" altLang="en-US" dirty="0" smtClean="0"/>
+              <a:t>示例代码</a:t>
+            </a:r>
+            <a:endParaRPr lang="zh-CN" altLang="en-US" dirty="0"/>
+          </a:p>
+        </p:txBody>
+      </p:sp>
+      <p:sp>
+        <p:nvSpPr>
+          <p:cNvPr id="3" name="内容占位符 2"/>
+          <p:cNvSpPr>
+            <a:spLocks noGrp="1"/>
+          </p:cNvSpPr>
+          <p:nvPr>
+            <p:ph idx="1"/>
+          </p:nvPr>
+        </p:nvSpPr>
+        <p:spPr>
+          <a:xfrm>
+            <a:off x="251520" y="1600200"/>
+            <a:ext cx="8712968" cy="4525963"/>
+          </a:xfrm>
+        </p:spPr>
+        <p:txBody>
+          <a:bodyPr>
+            <a:normAutofit fontScale="47500" lnSpcReduction="20000"/>
+          </a:bodyPr>
+          <a:lstStyle/>
+          <a:p>
+            <a:pPr>
+              <a:buNone/>
+            </a:pPr>
+            <a:r>
+              <a:rPr lang="en-US" altLang="zh-CN" sz="4400" dirty="0" smtClean="0">
+                <a:latin typeface="Times New Roman" pitchFamily="18" charset="0"/>
+                <a:cs typeface="Times New Roman" pitchFamily="18" charset="0"/>
+              </a:rPr>
+              <a:t>@Test</a:t>
+            </a:r>
+            <a:endParaRPr lang="zh-CN" altLang="zh-CN" sz="4400" dirty="0" smtClean="0">
+              <a:latin typeface="Times New Roman" pitchFamily="18" charset="0"/>
+              <a:cs typeface="Times New Roman" pitchFamily="18" charset="0"/>
+            </a:endParaRPr>
+          </a:p>
+          <a:p>
+            <a:pPr>
+              <a:buNone/>
+            </a:pPr>
+            <a:r>
+              <a:rPr lang="en-US" altLang="zh-CN" sz="4400" b="1" dirty="0" smtClean="0">
+                <a:latin typeface="Times New Roman" pitchFamily="18" charset="0"/>
+                <a:cs typeface="Times New Roman" pitchFamily="18" charset="0"/>
+              </a:rPr>
+              <a:t>public</a:t>
+            </a:r>
+            <a:r>
+              <a:rPr lang="en-US" altLang="zh-CN" sz="4400" dirty="0" smtClean="0">
+                <a:latin typeface="Times New Roman" pitchFamily="18" charset="0"/>
+                <a:cs typeface="Times New Roman" pitchFamily="18" charset="0"/>
+              </a:rPr>
+              <a:t> </a:t>
+            </a:r>
+            <a:r>
+              <a:rPr lang="en-US" altLang="zh-CN" sz="4400" b="1" dirty="0" smtClean="0">
+                <a:latin typeface="Times New Roman" pitchFamily="18" charset="0"/>
+                <a:cs typeface="Times New Roman" pitchFamily="18" charset="0"/>
+              </a:rPr>
+              <a:t>void</a:t>
+            </a:r>
+            <a:r>
+              <a:rPr lang="en-US" altLang="zh-CN" sz="4400" dirty="0" smtClean="0">
+                <a:latin typeface="Times New Roman" pitchFamily="18" charset="0"/>
+                <a:cs typeface="Times New Roman" pitchFamily="18" charset="0"/>
+              </a:rPr>
+              <a:t> Demo1() </a:t>
+            </a:r>
+            <a:r>
+              <a:rPr lang="en-US" altLang="zh-CN" sz="4400" b="1" dirty="0" smtClean="0">
+                <a:latin typeface="Times New Roman" pitchFamily="18" charset="0"/>
+                <a:cs typeface="Times New Roman" pitchFamily="18" charset="0"/>
+              </a:rPr>
+              <a:t>throws</a:t>
+            </a:r>
+            <a:r>
+              <a:rPr lang="en-US" altLang="zh-CN" sz="4400" dirty="0" smtClean="0">
+                <a:latin typeface="Times New Roman" pitchFamily="18" charset="0"/>
+                <a:cs typeface="Times New Roman" pitchFamily="18" charset="0"/>
+              </a:rPr>
+              <a:t> Exception {</a:t>
+            </a:r>
+            <a:endParaRPr lang="zh-CN" altLang="zh-CN" sz="4400" dirty="0" smtClean="0">
+              <a:latin typeface="Times New Roman" pitchFamily="18" charset="0"/>
+              <a:cs typeface="Times New Roman" pitchFamily="18" charset="0"/>
+            </a:endParaRPr>
+          </a:p>
+          <a:p>
+            <a:pPr>
+              <a:buNone/>
+            </a:pPr>
+            <a:r>
+              <a:rPr lang="en-US" altLang="zh-CN" sz="4400" dirty="0" smtClean="0">
+                <a:latin typeface="Times New Roman" pitchFamily="18" charset="0"/>
+                <a:cs typeface="Times New Roman" pitchFamily="18" charset="0"/>
+              </a:rPr>
+              <a:t>	</a:t>
+            </a:r>
+            <a:r>
+              <a:rPr lang="en-US" altLang="zh-CN" sz="4400" dirty="0" err="1" smtClean="0">
+                <a:latin typeface="Times New Roman" pitchFamily="18" charset="0"/>
+                <a:cs typeface="Times New Roman" pitchFamily="18" charset="0"/>
+              </a:rPr>
+              <a:t>win.printElementTree</a:t>
+            </a:r>
+            <a:r>
+              <a:rPr lang="en-US" altLang="zh-CN" sz="4400" dirty="0" smtClean="0">
+                <a:latin typeface="Times New Roman" pitchFamily="18" charset="0"/>
+                <a:cs typeface="Times New Roman" pitchFamily="18" charset="0"/>
+              </a:rPr>
+              <a:t>();</a:t>
+            </a:r>
+            <a:endParaRPr lang="zh-CN" altLang="zh-CN" sz="4400" dirty="0" smtClean="0">
+              <a:latin typeface="Times New Roman" pitchFamily="18" charset="0"/>
+              <a:cs typeface="Times New Roman" pitchFamily="18" charset="0"/>
+            </a:endParaRPr>
+          </a:p>
+          <a:p>
+            <a:pPr>
+              <a:buNone/>
+            </a:pPr>
+            <a:r>
+              <a:rPr lang="en-US" altLang="zh-CN" sz="4400" dirty="0" smtClean="0">
+                <a:latin typeface="Times New Roman" pitchFamily="18" charset="0"/>
+                <a:cs typeface="Times New Roman" pitchFamily="18" charset="0"/>
+              </a:rPr>
+              <a:t>	</a:t>
+            </a:r>
+            <a:r>
+              <a:rPr lang="en-US" altLang="zh-CN" sz="4400" dirty="0" err="1" smtClean="0">
+                <a:latin typeface="Times New Roman" pitchFamily="18" charset="0"/>
+                <a:cs typeface="Times New Roman" pitchFamily="18" charset="0"/>
+              </a:rPr>
+              <a:t>win.findElementByText</a:t>
+            </a:r>
+            <a:r>
+              <a:rPr lang="en-US" altLang="zh-CN" sz="4400" dirty="0" smtClean="0">
+                <a:latin typeface="Times New Roman" pitchFamily="18" charset="0"/>
+                <a:cs typeface="Times New Roman" pitchFamily="18" charset="0"/>
+              </a:rPr>
+              <a:t>("Demo 1").</a:t>
+            </a:r>
+            <a:r>
+              <a:rPr lang="en-US" altLang="zh-CN" sz="4400" dirty="0" err="1" smtClean="0">
+                <a:latin typeface="Times New Roman" pitchFamily="18" charset="0"/>
+                <a:cs typeface="Times New Roman" pitchFamily="18" charset="0"/>
+              </a:rPr>
+              <a:t>touchAndHold</a:t>
+            </a:r>
+            <a:r>
+              <a:rPr lang="en-US" altLang="zh-CN" sz="4400" dirty="0" smtClean="0">
+                <a:latin typeface="Times New Roman" pitchFamily="18" charset="0"/>
+                <a:cs typeface="Times New Roman" pitchFamily="18" charset="0"/>
+              </a:rPr>
+              <a:t>();</a:t>
+            </a:r>
+            <a:endParaRPr lang="zh-CN" altLang="zh-CN" sz="4400" dirty="0" smtClean="0">
+              <a:latin typeface="Times New Roman" pitchFamily="18" charset="0"/>
+              <a:cs typeface="Times New Roman" pitchFamily="18" charset="0"/>
+            </a:endParaRPr>
+          </a:p>
+          <a:p>
+            <a:pPr>
+              <a:buNone/>
+            </a:pPr>
+            <a:r>
+              <a:rPr lang="en-US" altLang="zh-CN" sz="4400" dirty="0" smtClean="0">
+                <a:latin typeface="Times New Roman" pitchFamily="18" charset="0"/>
+                <a:cs typeface="Times New Roman" pitchFamily="18" charset="0"/>
+              </a:rPr>
+              <a:t>	</a:t>
+            </a:r>
+            <a:r>
+              <a:rPr lang="en-US" altLang="zh-CN" sz="4400" dirty="0" err="1" smtClean="0">
+                <a:latin typeface="Times New Roman" pitchFamily="18" charset="0"/>
+                <a:cs typeface="Times New Roman" pitchFamily="18" charset="0"/>
+              </a:rPr>
+              <a:t>UIAElement</a:t>
+            </a:r>
+            <a:r>
+              <a:rPr lang="en-US" altLang="zh-CN" sz="4400" dirty="0" smtClean="0">
+                <a:latin typeface="Times New Roman" pitchFamily="18" charset="0"/>
+                <a:cs typeface="Times New Roman" pitchFamily="18" charset="0"/>
+              </a:rPr>
+              <a:t>[] </a:t>
+            </a:r>
+            <a:r>
+              <a:rPr lang="en-US" altLang="zh-CN" sz="4400" dirty="0" err="1" smtClean="0">
+                <a:latin typeface="Times New Roman" pitchFamily="18" charset="0"/>
+                <a:cs typeface="Times New Roman" pitchFamily="18" charset="0"/>
+              </a:rPr>
+              <a:t>eles</a:t>
+            </a:r>
+            <a:r>
+              <a:rPr lang="en-US" altLang="zh-CN" sz="4400" dirty="0" smtClean="0">
+                <a:latin typeface="Times New Roman" pitchFamily="18" charset="0"/>
+                <a:cs typeface="Times New Roman" pitchFamily="18" charset="0"/>
+              </a:rPr>
+              <a:t> = </a:t>
+            </a:r>
+            <a:r>
+              <a:rPr lang="en-US" altLang="zh-CN" sz="4400" dirty="0" err="1" smtClean="0">
+                <a:latin typeface="Times New Roman" pitchFamily="18" charset="0"/>
+                <a:cs typeface="Times New Roman" pitchFamily="18" charset="0"/>
+              </a:rPr>
+              <a:t>win.elements</a:t>
+            </a:r>
+            <a:r>
+              <a:rPr lang="en-US" altLang="zh-CN" sz="4400" dirty="0" smtClean="0">
+                <a:latin typeface="Times New Roman" pitchFamily="18" charset="0"/>
+                <a:cs typeface="Times New Roman" pitchFamily="18" charset="0"/>
+              </a:rPr>
+              <a:t>();</a:t>
+            </a:r>
+            <a:endParaRPr lang="zh-CN" altLang="zh-CN" sz="4400" dirty="0" smtClean="0">
+              <a:latin typeface="Times New Roman" pitchFamily="18" charset="0"/>
+              <a:cs typeface="Times New Roman" pitchFamily="18" charset="0"/>
+            </a:endParaRPr>
+          </a:p>
+          <a:p>
+            <a:pPr>
+              <a:buNone/>
+            </a:pPr>
+            <a:r>
+              <a:rPr lang="en-US" altLang="zh-CN" sz="4400" dirty="0" smtClean="0">
+                <a:latin typeface="Times New Roman" pitchFamily="18" charset="0"/>
+                <a:cs typeface="Times New Roman" pitchFamily="18" charset="0"/>
+              </a:rPr>
+              <a:t>	</a:t>
+            </a:r>
+            <a:r>
+              <a:rPr lang="en-US" altLang="zh-CN" sz="4400" dirty="0" err="1" smtClean="0">
+                <a:latin typeface="Times New Roman" pitchFamily="18" charset="0"/>
+                <a:cs typeface="Times New Roman" pitchFamily="18" charset="0"/>
+              </a:rPr>
+              <a:t>System.</a:t>
+            </a:r>
+            <a:r>
+              <a:rPr lang="en-US" altLang="zh-CN" sz="4400" i="1" dirty="0" err="1" smtClean="0">
+                <a:latin typeface="Times New Roman" pitchFamily="18" charset="0"/>
+                <a:cs typeface="Times New Roman" pitchFamily="18" charset="0"/>
+              </a:rPr>
+              <a:t>out</a:t>
+            </a:r>
+            <a:r>
+              <a:rPr lang="en-US" altLang="zh-CN" sz="4400" dirty="0" err="1" smtClean="0">
+                <a:latin typeface="Times New Roman" pitchFamily="18" charset="0"/>
+                <a:cs typeface="Times New Roman" pitchFamily="18" charset="0"/>
+              </a:rPr>
+              <a:t>.println</a:t>
+            </a:r>
+            <a:r>
+              <a:rPr lang="en-US" altLang="zh-CN" sz="4400" dirty="0" smtClean="0">
+                <a:latin typeface="Times New Roman" pitchFamily="18" charset="0"/>
+                <a:cs typeface="Times New Roman" pitchFamily="18" charset="0"/>
+              </a:rPr>
+              <a:t>(</a:t>
+            </a:r>
+            <a:r>
+              <a:rPr lang="en-US" altLang="zh-CN" sz="4400" dirty="0" err="1" smtClean="0">
+                <a:latin typeface="Times New Roman" pitchFamily="18" charset="0"/>
+                <a:cs typeface="Times New Roman" pitchFamily="18" charset="0"/>
+              </a:rPr>
+              <a:t>eles.length</a:t>
+            </a:r>
+            <a:r>
+              <a:rPr lang="en-US" altLang="zh-CN" sz="4400" dirty="0" smtClean="0">
+                <a:latin typeface="Times New Roman" pitchFamily="18" charset="0"/>
+                <a:cs typeface="Times New Roman" pitchFamily="18" charset="0"/>
+              </a:rPr>
+              <a:t>);		</a:t>
+            </a:r>
+            <a:endParaRPr lang="zh-CN" altLang="zh-CN" sz="4400" dirty="0" smtClean="0">
+              <a:latin typeface="Times New Roman" pitchFamily="18" charset="0"/>
+              <a:cs typeface="Times New Roman" pitchFamily="18" charset="0"/>
+            </a:endParaRPr>
+          </a:p>
+          <a:p>
+            <a:pPr>
+              <a:buNone/>
+            </a:pPr>
+            <a:r>
+              <a:rPr lang="en-US" altLang="zh-CN" sz="4400" dirty="0" smtClean="0">
+                <a:latin typeface="Times New Roman" pitchFamily="18" charset="0"/>
+                <a:cs typeface="Times New Roman" pitchFamily="18" charset="0"/>
+              </a:rPr>
+              <a:t>	</a:t>
+            </a:r>
+            <a:r>
+              <a:rPr lang="en-US" altLang="zh-CN" sz="4400" dirty="0" err="1" smtClean="0">
+                <a:latin typeface="Times New Roman" pitchFamily="18" charset="0"/>
+                <a:cs typeface="Times New Roman" pitchFamily="18" charset="0"/>
+              </a:rPr>
+              <a:t>win.findElementByText</a:t>
+            </a:r>
+            <a:r>
+              <a:rPr lang="en-US" altLang="zh-CN" sz="4400" dirty="0" smtClean="0">
+                <a:latin typeface="Times New Roman" pitchFamily="18" charset="0"/>
+                <a:cs typeface="Times New Roman" pitchFamily="18" charset="0"/>
+              </a:rPr>
+              <a:t>("name", </a:t>
+            </a:r>
+            <a:r>
+              <a:rPr lang="en-US" altLang="zh-CN" sz="4400" dirty="0" err="1" smtClean="0">
+                <a:latin typeface="Times New Roman" pitchFamily="18" charset="0"/>
+                <a:cs typeface="Times New Roman" pitchFamily="18" charset="0"/>
+              </a:rPr>
+              <a:t>UIATextField.</a:t>
+            </a:r>
+            <a:r>
+              <a:rPr lang="en-US" altLang="zh-CN" sz="4400" b="1" dirty="0" err="1" smtClean="0">
+                <a:latin typeface="Times New Roman" pitchFamily="18" charset="0"/>
+                <a:cs typeface="Times New Roman" pitchFamily="18" charset="0"/>
+              </a:rPr>
+              <a:t>class</a:t>
+            </a:r>
+            <a:r>
+              <a:rPr lang="en-US" altLang="zh-CN" sz="4400" dirty="0" smtClean="0">
+                <a:latin typeface="Times New Roman" pitchFamily="18" charset="0"/>
+                <a:cs typeface="Times New Roman" pitchFamily="18" charset="0"/>
+              </a:rPr>
+              <a:t>).</a:t>
+            </a:r>
+            <a:r>
+              <a:rPr lang="en-US" altLang="zh-CN" sz="4400" dirty="0" err="1" smtClean="0">
+                <a:latin typeface="Times New Roman" pitchFamily="18" charset="0"/>
+                <a:cs typeface="Times New Roman" pitchFamily="18" charset="0"/>
+              </a:rPr>
+              <a:t>setValue</a:t>
+            </a:r>
+            <a:r>
+              <a:rPr lang="en-US" altLang="zh-CN" sz="4400" dirty="0" smtClean="0">
+                <a:latin typeface="Times New Roman" pitchFamily="18" charset="0"/>
+                <a:cs typeface="Times New Roman" pitchFamily="18" charset="0"/>
+              </a:rPr>
+              <a:t>("</a:t>
+            </a:r>
+            <a:r>
+              <a:rPr lang="en-US" altLang="zh-CN" sz="4400" dirty="0" err="1" smtClean="0">
+                <a:latin typeface="Times New Roman" pitchFamily="18" charset="0"/>
+                <a:cs typeface="Times New Roman" pitchFamily="18" charset="0"/>
+              </a:rPr>
+              <a:t>athrun</a:t>
+            </a:r>
+            <a:r>
+              <a:rPr lang="en-US" altLang="zh-CN" sz="4400" dirty="0" smtClean="0">
+                <a:latin typeface="Times New Roman" pitchFamily="18" charset="0"/>
+                <a:cs typeface="Times New Roman" pitchFamily="18" charset="0"/>
+              </a:rPr>
+              <a:t>");</a:t>
+            </a:r>
+            <a:endParaRPr lang="zh-CN" altLang="zh-CN" sz="4400" dirty="0" smtClean="0">
+              <a:latin typeface="Times New Roman" pitchFamily="18" charset="0"/>
+              <a:cs typeface="Times New Roman" pitchFamily="18" charset="0"/>
+            </a:endParaRPr>
+          </a:p>
+          <a:p>
+            <a:pPr>
+              <a:buNone/>
+            </a:pPr>
+            <a:r>
+              <a:rPr lang="en-US" altLang="zh-CN" sz="4400" dirty="0" smtClean="0">
+                <a:latin typeface="Times New Roman" pitchFamily="18" charset="0"/>
+                <a:cs typeface="Times New Roman" pitchFamily="18" charset="0"/>
+              </a:rPr>
+              <a:t>	</a:t>
+            </a:r>
+            <a:r>
+              <a:rPr lang="en-US" altLang="zh-CN" sz="4400" dirty="0" err="1" smtClean="0">
+                <a:latin typeface="Times New Roman" pitchFamily="18" charset="0"/>
+                <a:cs typeface="Times New Roman" pitchFamily="18" charset="0"/>
+              </a:rPr>
+              <a:t>win.secureTextFields</a:t>
+            </a:r>
+            <a:r>
+              <a:rPr lang="en-US" altLang="zh-CN" sz="4400" dirty="0" smtClean="0">
+                <a:latin typeface="Times New Roman" pitchFamily="18" charset="0"/>
+                <a:cs typeface="Times New Roman" pitchFamily="18" charset="0"/>
+              </a:rPr>
+              <a:t>()[0].tap();</a:t>
+            </a:r>
+            <a:endParaRPr lang="zh-CN" altLang="zh-CN" sz="4400" dirty="0" smtClean="0">
+              <a:latin typeface="Times New Roman" pitchFamily="18" charset="0"/>
+              <a:cs typeface="Times New Roman" pitchFamily="18" charset="0"/>
+            </a:endParaRPr>
+          </a:p>
+          <a:p>
+            <a:pPr>
+              <a:buNone/>
+            </a:pPr>
+            <a:r>
+              <a:rPr lang="en-US" altLang="zh-CN" sz="4400" dirty="0" smtClean="0">
+                <a:latin typeface="Times New Roman" pitchFamily="18" charset="0"/>
+                <a:cs typeface="Times New Roman" pitchFamily="18" charset="0"/>
+              </a:rPr>
+              <a:t>	</a:t>
+            </a:r>
+            <a:r>
+              <a:rPr lang="en-US" altLang="zh-CN" sz="4400" dirty="0" err="1" smtClean="0">
+                <a:latin typeface="Times New Roman" pitchFamily="18" charset="0"/>
+                <a:cs typeface="Times New Roman" pitchFamily="18" charset="0"/>
+              </a:rPr>
+              <a:t>app.keyboard</a:t>
+            </a:r>
+            <a:r>
+              <a:rPr lang="en-US" altLang="zh-CN" sz="4400" dirty="0" smtClean="0">
+                <a:latin typeface="Times New Roman" pitchFamily="18" charset="0"/>
+                <a:cs typeface="Times New Roman" pitchFamily="18" charset="0"/>
+              </a:rPr>
+              <a:t>().</a:t>
+            </a:r>
+            <a:r>
+              <a:rPr lang="en-US" altLang="zh-CN" sz="4400" dirty="0" err="1" smtClean="0">
+                <a:latin typeface="Times New Roman" pitchFamily="18" charset="0"/>
+                <a:cs typeface="Times New Roman" pitchFamily="18" charset="0"/>
+              </a:rPr>
+              <a:t>typeString</a:t>
+            </a:r>
+            <a:r>
+              <a:rPr lang="en-US" altLang="zh-CN" sz="4400" dirty="0" smtClean="0">
+                <a:latin typeface="Times New Roman" pitchFamily="18" charset="0"/>
+                <a:cs typeface="Times New Roman" pitchFamily="18" charset="0"/>
+              </a:rPr>
+              <a:t>("</a:t>
+            </a:r>
+            <a:r>
+              <a:rPr lang="en-US" altLang="zh-CN" sz="4400" dirty="0" err="1" smtClean="0">
+                <a:latin typeface="Times New Roman" pitchFamily="18" charset="0"/>
+                <a:cs typeface="Times New Roman" pitchFamily="18" charset="0"/>
+              </a:rPr>
+              <a:t>abcdefg</a:t>
+            </a:r>
+            <a:r>
+              <a:rPr lang="en-US" altLang="zh-CN" sz="4400" dirty="0" smtClean="0">
+                <a:latin typeface="Times New Roman" pitchFamily="18" charset="0"/>
+                <a:cs typeface="Times New Roman" pitchFamily="18" charset="0"/>
+              </a:rPr>
+              <a:t>\\n");</a:t>
+            </a:r>
+            <a:endParaRPr lang="zh-CN" altLang="zh-CN" sz="4400" dirty="0" smtClean="0">
+              <a:latin typeface="Times New Roman" pitchFamily="18" charset="0"/>
+              <a:cs typeface="Times New Roman" pitchFamily="18" charset="0"/>
+            </a:endParaRPr>
+          </a:p>
+          <a:p>
+            <a:pPr>
+              <a:buNone/>
+            </a:pPr>
+            <a:r>
+              <a:rPr lang="en-US" altLang="zh-CN" sz="4400" dirty="0" smtClean="0">
+                <a:latin typeface="Times New Roman" pitchFamily="18" charset="0"/>
+                <a:cs typeface="Times New Roman" pitchFamily="18" charset="0"/>
+              </a:rPr>
+              <a:t>	</a:t>
+            </a:r>
+            <a:r>
+              <a:rPr lang="en-US" altLang="zh-CN" sz="4400" dirty="0" err="1" smtClean="0">
+                <a:latin typeface="Times New Roman" pitchFamily="18" charset="0"/>
+                <a:cs typeface="Times New Roman" pitchFamily="18" charset="0"/>
+              </a:rPr>
+              <a:t>win.findElementByText</a:t>
+            </a:r>
+            <a:r>
+              <a:rPr lang="en-US" altLang="zh-CN" sz="4400" dirty="0" smtClean="0">
+                <a:latin typeface="Times New Roman" pitchFamily="18" charset="0"/>
+                <a:cs typeface="Times New Roman" pitchFamily="18" charset="0"/>
+              </a:rPr>
+              <a:t>("Hello Tao").tap();</a:t>
+            </a:r>
+            <a:endParaRPr lang="zh-CN" altLang="zh-CN" sz="4400" dirty="0" smtClean="0">
+              <a:latin typeface="Times New Roman" pitchFamily="18" charset="0"/>
+              <a:cs typeface="Times New Roman" pitchFamily="18" charset="0"/>
+            </a:endParaRPr>
+          </a:p>
+          <a:p>
+            <a:pPr>
+              <a:buNone/>
+            </a:pPr>
+            <a:r>
+              <a:rPr lang="en-US" altLang="zh-CN" sz="4400" dirty="0" smtClean="0">
+                <a:latin typeface="Times New Roman" pitchFamily="18" charset="0"/>
+                <a:cs typeface="Times New Roman" pitchFamily="18" charset="0"/>
+              </a:rPr>
+              <a:t>	</a:t>
+            </a:r>
+            <a:r>
+              <a:rPr lang="en-US" altLang="zh-CN" sz="4400" i="1" dirty="0" err="1" smtClean="0">
+                <a:latin typeface="Times New Roman" pitchFamily="18" charset="0"/>
+                <a:cs typeface="Times New Roman" pitchFamily="18" charset="0"/>
+              </a:rPr>
+              <a:t>assertEquals</a:t>
+            </a:r>
+            <a:r>
+              <a:rPr lang="en-US" altLang="zh-CN" sz="4400" dirty="0" smtClean="0">
+                <a:latin typeface="Times New Roman" pitchFamily="18" charset="0"/>
+                <a:cs typeface="Times New Roman" pitchFamily="18" charset="0"/>
+              </a:rPr>
+              <a:t>("</a:t>
+            </a:r>
+            <a:r>
+              <a:rPr lang="en-US" altLang="zh-CN" sz="4400" dirty="0" err="1" smtClean="0">
+                <a:latin typeface="Times New Roman" pitchFamily="18" charset="0"/>
+                <a:cs typeface="Times New Roman" pitchFamily="18" charset="0"/>
+              </a:rPr>
+              <a:t>Hello,athrun</a:t>
+            </a:r>
+            <a:r>
+              <a:rPr lang="en-US" altLang="zh-CN" sz="4400" dirty="0" smtClean="0">
+                <a:latin typeface="Times New Roman" pitchFamily="18" charset="0"/>
+                <a:cs typeface="Times New Roman" pitchFamily="18" charset="0"/>
+              </a:rPr>
+              <a:t>!", </a:t>
+            </a:r>
+            <a:r>
+              <a:rPr lang="en-US" altLang="zh-CN" sz="4400" dirty="0" err="1" smtClean="0">
+                <a:latin typeface="Times New Roman" pitchFamily="18" charset="0"/>
+                <a:cs typeface="Times New Roman" pitchFamily="18" charset="0"/>
+              </a:rPr>
+              <a:t>win.staticTexts</a:t>
+            </a:r>
+            <a:r>
+              <a:rPr lang="en-US" altLang="zh-CN" sz="4400" dirty="0" smtClean="0">
+                <a:latin typeface="Times New Roman" pitchFamily="18" charset="0"/>
+                <a:cs typeface="Times New Roman" pitchFamily="18" charset="0"/>
+              </a:rPr>
+              <a:t>()[3].name());</a:t>
+            </a:r>
+            <a:endParaRPr lang="zh-CN" altLang="zh-CN" sz="4400" dirty="0" smtClean="0">
+              <a:latin typeface="Times New Roman" pitchFamily="18" charset="0"/>
+              <a:cs typeface="Times New Roman" pitchFamily="18" charset="0"/>
+            </a:endParaRPr>
+          </a:p>
+          <a:p>
+            <a:pPr>
+              <a:buNone/>
+            </a:pPr>
+            <a:r>
+              <a:rPr lang="en-US" altLang="zh-CN" sz="4400" dirty="0" smtClean="0">
+                <a:latin typeface="Times New Roman" pitchFamily="18" charset="0"/>
+                <a:cs typeface="Times New Roman" pitchFamily="18" charset="0"/>
+              </a:rPr>
+              <a:t>}</a:t>
+            </a:r>
+            <a:endParaRPr lang="zh-CN" altLang="zh-CN" sz="4400" dirty="0" smtClean="0">
+              <a:latin typeface="Times New Roman" pitchFamily="18" charset="0"/>
+              <a:cs typeface="Times New Roman" pitchFamily="18" charset="0"/>
+            </a:endParaRPr>
+          </a:p>
+          <a:p>
+            <a:endParaRPr lang="en-US" altLang="zh-CN" dirty="0" smtClean="0"/>
+          </a:p>
+          <a:p>
+            <a:pPr>
+              <a:buNone/>
+            </a:pPr>
+            <a:r>
+              <a:rPr lang="en-US" altLang="zh-CN" dirty="0" smtClean="0"/>
+              <a:t> </a:t>
+            </a:r>
+            <a:endParaRPr lang="en-US" altLang="zh-CN" dirty="0" smtClean="0"/>
+          </a:p>
+          <a:p>
+            <a:endParaRPr lang="zh-CN" altLang="zh-CN" dirty="0" smtClean="0"/>
+          </a:p>
+          <a:p>
+            <a:pPr>
+              <a:buNone/>
+            </a:pPr>
+            <a:endParaRPr lang="zh-CN" altLang="en-US" dirty="0"/>
+          </a:p>
+        </p:txBody>
+      </p:sp>
+      <p:pic>
+        <p:nvPicPr>
+          <p:cNvPr id="3075" name="Picture 3"/>
+          <p:cNvPicPr>
+            <a:picLocks noChangeAspect="1" noChangeArrowheads="1"/>
+          </p:cNvPicPr>
+          <p:nvPr/>
+        </p:nvPicPr>
+        <p:blipFill>
+          <a:blip r:embed="rId2" cstate="print"/>
+          <a:srcRect/>
+          <a:stretch>
+            <a:fillRect/>
+          </a:stretch>
+        </p:blipFill>
+        <p:spPr bwMode="auto">
+          <a:xfrm>
+            <a:off x="7020272" y="332656"/>
+            <a:ext cx="1568101" cy="3126550"/>
+          </a:xfrm>
+          <a:prstGeom prst="rect">
+            <a:avLst/>
+          </a:prstGeom>
+          <a:noFill/>
+          <a:ln w="9525">
+            <a:noFill/>
+            <a:miter lim="800000"/>
+            <a:headEnd/>
+            <a:tailEnd/>
+          </a:ln>
+        </p:spPr>
+      </p:pic>
+      <p:pic>
+        <p:nvPicPr>
+          <p:cNvPr id="3076" name="Picture 4"/>
+          <p:cNvPicPr>
+            <a:picLocks noChangeAspect="1" noChangeArrowheads="1"/>
+          </p:cNvPicPr>
+          <p:nvPr/>
+        </p:nvPicPr>
+        <p:blipFill>
+          <a:blip r:embed="rId3" cstate="print"/>
+          <a:srcRect/>
+          <a:stretch>
+            <a:fillRect/>
+          </a:stretch>
+        </p:blipFill>
+        <p:spPr bwMode="auto">
+          <a:xfrm>
+            <a:off x="7308304" y="3817103"/>
+            <a:ext cx="1512168" cy="3040898"/>
+          </a:xfrm>
+          <a:prstGeom prst="rect">
+            <a:avLst/>
+          </a:prstGeom>
+          <a:noFill/>
+          <a:ln w="9525">
+            <a:noFill/>
+            <a:miter lim="800000"/>
+            <a:headEnd/>
+            <a:tailEnd/>
+          </a:ln>
+        </p:spPr>
+      </p:pic>
+    </p:spTree>
+  </p:cSld>
+  <p:clrMapOvr>
+    <a:masterClrMapping/>
+  </p:clrMapOvr>
+  <p:timing>
+    <p:tnLst>
+      <p:par>
+        <p:cTn id="1" dur="indefinite" restart="never" nodeType="tmRoot"/>
+      </p:par>
+    </p:tnLst>
+  </p:timing>
+</p:sld>
+</file>
+
+<file path=ppt/slides/slide12.xml><?xml version="1.0" encoding="utf-8"?>
+<p:sld xmlns:a="http://schemas.openxmlformats.org/drawingml/2006/main" xmlns:r="http://schemas.openxmlformats.org/officeDocument/2006/relationships" xmlns:p="http://schemas.openxmlformats.org/presentationml/2006/main">
+  <p:cSld>
+    <p:spTree>
+      <p:nvGrpSpPr>
+        <p:cNvPr id="1" name=""/>
+        <p:cNvGrpSpPr/>
+        <p:nvPr/>
+      </p:nvGrpSpPr>
+      <p:grpSpPr>
+        <a:xfrm>
+          <a:off x="0" y="0"/>
+          <a:ext cx="0" cy="0"/>
+          <a:chOff x="0" y="0"/>
+          <a:chExt cx="0" cy="0"/>
+        </a:xfrm>
+      </p:grpSpPr>
+      <p:sp>
+        <p:nvSpPr>
+          <p:cNvPr id="2" name="标题 1"/>
+          <p:cNvSpPr>
+            <a:spLocks noGrp="1"/>
+          </p:cNvSpPr>
+          <p:nvPr>
+            <p:ph type="title"/>
+          </p:nvPr>
+        </p:nvSpPr>
+        <p:spPr/>
+        <p:txBody>
+          <a:bodyPr/>
+          <a:lstStyle/>
+          <a:p>
+            <a:r>
+              <a:rPr lang="en-US" altLang="zh-CN" dirty="0" smtClean="0"/>
+              <a:t>Demo</a:t>
+            </a:r>
+            <a:r>
+              <a:rPr lang="zh-CN" altLang="en-US" dirty="0" smtClean="0"/>
+              <a:t>演示</a:t>
+            </a:r>
+            <a:endParaRPr lang="zh-CN" altLang="en-US" dirty="0"/>
+          </a:p>
+        </p:txBody>
+      </p:sp>
+      <p:sp>
+        <p:nvSpPr>
+          <p:cNvPr id="3" name="内容占位符 2"/>
+          <p:cNvSpPr>
+            <a:spLocks noGrp="1"/>
+          </p:cNvSpPr>
+          <p:nvPr>
+            <p:ph idx="1"/>
+          </p:nvPr>
+        </p:nvSpPr>
+        <p:spPr/>
+        <p:txBody>
+          <a:bodyPr/>
+          <a:lstStyle/>
+          <a:p>
+            <a:r>
+              <a:rPr lang="zh-CN" altLang="en-US" dirty="0" smtClean="0"/>
+              <a:t>查看</a:t>
+            </a:r>
+            <a:r>
+              <a:rPr lang="en-US" altLang="zh-CN" dirty="0" smtClean="0"/>
+              <a:t>Demo</a:t>
+            </a:r>
+          </a:p>
+          <a:p>
+            <a:pPr lvl="1"/>
+            <a:r>
+              <a:rPr lang="en-US" altLang="zh-CN" dirty="0" smtClean="0"/>
+              <a:t>Demo-InstrumentDriver.mov</a:t>
+            </a:r>
+            <a:endParaRPr lang="zh-CN" altLang="en-US" dirty="0"/>
+          </a:p>
+        </p:txBody>
+      </p:sp>
+    </p:spTree>
+  </p:cSld>
+  <p:clrMapOvr>
+    <a:masterClrMapping/>
+  </p:clrMapOvr>
+  <p:timing>
+    <p:tnLst>
+      <p:par>
+        <p:cTn id="1" dur="indefinite" restart="never" nodeType="tmRoot"/>
+      </p:par>
+    </p:tnLst>
+  </p:timing>
+</p:sld>
+</file>
+
+<file path=ppt/slides/slide13.xml><?xml version="1.0" encoding="utf-8"?>
+<p:sld xmlns:a="http://schemas.openxmlformats.org/drawingml/2006/main" xmlns:r="http://schemas.openxmlformats.org/officeDocument/2006/relationships" xmlns:p="http://schemas.openxmlformats.org/presentationml/2006/main">
+  <p:cSld>
+    <p:spTree>
+      <p:nvGrpSpPr>
+        <p:cNvPr id="1" name=""/>
+        <p:cNvGrpSpPr/>
+        <p:nvPr/>
+      </p:nvGrpSpPr>
+      <p:grpSpPr>
+        <a:xfrm>
+          <a:off x="0" y="0"/>
+          <a:ext cx="0" cy="0"/>
+          <a:chOff x="0" y="0"/>
+          <a:chExt cx="0" cy="0"/>
+        </a:xfrm>
+      </p:grpSpPr>
+      <p:sp>
+        <p:nvSpPr>
+          <p:cNvPr id="2" name="标题 1"/>
+          <p:cNvSpPr>
+            <a:spLocks noGrp="1"/>
+          </p:cNvSpPr>
+          <p:nvPr>
+            <p:ph type="title"/>
+          </p:nvPr>
+        </p:nvSpPr>
+        <p:spPr/>
+        <p:txBody>
+          <a:bodyPr/>
+          <a:lstStyle/>
+          <a:p>
+            <a:r>
+              <a:rPr lang="zh-CN" altLang="en-US" dirty="0" smtClean="0"/>
+              <a:t>演示代码</a:t>
+            </a:r>
+            <a:endParaRPr lang="zh-CN" altLang="en-US" dirty="0"/>
+          </a:p>
+        </p:txBody>
+      </p:sp>
+      <p:sp>
+        <p:nvSpPr>
+          <p:cNvPr id="3" name="内容占位符 2"/>
+          <p:cNvSpPr>
+            <a:spLocks noGrp="1"/>
+          </p:cNvSpPr>
+          <p:nvPr>
+            <p:ph idx="1"/>
+          </p:nvPr>
+        </p:nvSpPr>
+        <p:spPr/>
+        <p:txBody>
+          <a:bodyPr/>
+          <a:lstStyle/>
+          <a:p>
+            <a:endParaRPr lang="zh-CN" altLang="en-US"/>
+          </a:p>
+        </p:txBody>
+      </p:sp>
+      <p:pic>
+        <p:nvPicPr>
+          <p:cNvPr id="2050" name="Picture 2"/>
+          <p:cNvPicPr>
+            <a:picLocks noChangeAspect="1" noChangeArrowheads="1"/>
+          </p:cNvPicPr>
+          <p:nvPr/>
+        </p:nvPicPr>
+        <p:blipFill>
+          <a:blip r:embed="rId2" cstate="print"/>
+          <a:srcRect/>
+          <a:stretch>
+            <a:fillRect/>
+          </a:stretch>
+        </p:blipFill>
+        <p:spPr bwMode="auto">
+          <a:xfrm>
+            <a:off x="1" y="1152129"/>
+            <a:ext cx="9173924" cy="5733255"/>
+          </a:xfrm>
+          <a:prstGeom prst="rect">
+            <a:avLst/>
+          </a:prstGeom>
+          <a:noFill/>
+          <a:ln w="9525">
+            <a:noFill/>
+            <a:miter lim="800000"/>
+            <a:headEnd/>
+            <a:tailEnd/>
+          </a:ln>
+        </p:spPr>
+      </p:pic>
+    </p:spTree>
+  </p:cSld>
+  <p:clrMapOvr>
+    <a:masterClrMapping/>
+  </p:clrMapOvr>
+  <p:timing>
+    <p:tnLst>
+      <p:par>
+        <p:cTn id="1" dur="indefinite" restart="never" nodeType="tmRoot"/>
+      </p:par>
+    </p:tnLst>
+  </p:timing>
+</p:sld>
+</file>
+
+<file path=ppt/slides/slide14.xml><?xml version="1.0" encoding="utf-8"?>
+<p:sld xmlns:a="http://schemas.openxmlformats.org/drawingml/2006/main" xmlns:r="http://schemas.openxmlformats.org/officeDocument/2006/relationships" xmlns:p="http://schemas.openxmlformats.org/presentationml/2006/main">
+  <p:cSld>
     <p:bg>
       <p:bgPr>
         <a:blipFill dpi="0" rotWithShape="0">
@@ -13051,6 +14318,13 @@
   <p:clrMapOvr>
     <a:masterClrMapping/>
   </p:clrMapOvr>
+  <p:timing>
+    <p:tnLst>
+      <p:par>
+        <p:cTn id="1" dur="indefinite" restart="never" nodeType="tmRoot"/>
+      </p:par>
+    </p:tnLst>
+  </p:timing>
 </p:sld>
 </file>
 
@@ -13154,11 +14428,7 @@
             <a:pPr lvl="2"/>
             <a:r>
               <a:rPr lang="zh-CN" altLang="en-US" dirty="0" smtClean="0"/>
-              <a:t>优点：录制、非</a:t>
-            </a:r>
-            <a:r>
-              <a:rPr lang="zh-CN" altLang="en-US" dirty="0" smtClean="0"/>
-              <a:t>注入</a:t>
+              <a:t>优点：录制、非注入</a:t>
             </a:r>
             <a:endParaRPr lang="en-US" altLang="zh-CN" dirty="0" smtClean="0"/>
           </a:p>
@@ -13186,11 +14456,7 @@
             <a:pPr lvl="1"/>
             <a:r>
               <a:rPr lang="zh-CN" altLang="en-US" dirty="0" smtClean="0"/>
-              <a:t>我们</a:t>
-            </a:r>
-            <a:r>
-              <a:rPr lang="zh-CN" altLang="en-US" dirty="0" smtClean="0"/>
-              <a:t>对</a:t>
+              <a:t>我们对</a:t>
             </a:r>
             <a:r>
               <a:rPr lang="en-US" altLang="zh-CN" dirty="0" err="1" smtClean="0"/>
@@ -13232,7 +14498,6 @@
               <a:rPr lang="en-US" altLang="zh-CN" dirty="0" smtClean="0"/>
               <a:t>Hudson</a:t>
             </a:r>
-            <a:endParaRPr lang="en-US" altLang="zh-CN" dirty="0" smtClean="0"/>
           </a:p>
           <a:p>
             <a:pPr lvl="1"/>
@@ -13346,19 +14611,7 @@
             </a:r>
             <a:r>
               <a:rPr lang="zh-CN" altLang="en-US" dirty="0" smtClean="0"/>
-              <a:t>框架发展</a:t>
-            </a:r>
-            <a:r>
-              <a:rPr lang="zh-CN" altLang="en-US" dirty="0" smtClean="0"/>
-              <a:t>（</a:t>
-            </a:r>
-            <a:r>
-              <a:rPr lang="zh-CN" altLang="en-US" dirty="0" smtClean="0"/>
-              <a:t>三</a:t>
-            </a:r>
-            <a:r>
-              <a:rPr lang="zh-CN" altLang="en-US" dirty="0" smtClean="0"/>
-              <a:t>）</a:t>
+              <a:t>框架发展（三）</a:t>
             </a:r>
             <a:endParaRPr lang="zh-CN" altLang="en-US" dirty="0"/>
           </a:p>
@@ -13441,22 +14694,14 @@
             <a:pPr lvl="2"/>
             <a:r>
               <a:rPr lang="zh-CN" altLang="en-US" dirty="0" smtClean="0"/>
-              <a:t>自动</a:t>
-            </a:r>
+              <a:t>自动的语法检查，智能感知</a:t>
+            </a:r>
+          </a:p>
+          <a:p>
+            <a:pPr lvl="2"/>
             <a:r>
               <a:rPr lang="zh-CN" altLang="en-US" dirty="0" smtClean="0"/>
-              <a:t>的语法检查，智能感知</a:t>
-            </a:r>
-          </a:p>
-          <a:p>
-            <a:pPr lvl="2"/>
-            <a:r>
-              <a:rPr lang="zh-CN" altLang="en-US" dirty="0" smtClean="0"/>
-              <a:t>支持断点单步调试、变量</a:t>
-            </a:r>
-            <a:r>
-              <a:rPr lang="zh-CN" altLang="en-US" dirty="0" smtClean="0"/>
-              <a:t>查看</a:t>
+              <a:t>支持断点单步调试、变量查看</a:t>
             </a:r>
             <a:endParaRPr lang="en-US" altLang="zh-CN" dirty="0" smtClean="0"/>
           </a:p>
@@ -13527,16 +14772,27 @@
               <a:t> </a:t>
             </a:r>
             <a:r>
-              <a:rPr lang="zh-CN" altLang="en-US" smtClean="0"/>
-              <a:t>框架图</a:t>
-            </a:r>
+              <a:rPr lang="zh-CN" altLang="en-US" dirty="0" smtClean="0"/>
+              <a:t>框架</a:t>
+            </a:r>
+            <a:r>
+              <a:rPr lang="zh-CN" altLang="en-US" dirty="0" smtClean="0"/>
+              <a:t>图</a:t>
+            </a:r>
+            <a:r>
+              <a:rPr lang="en-US" altLang="zh-CN" dirty="0" smtClean="0"/>
+              <a:t/>
+            </a:r>
+            <a:br>
+              <a:rPr lang="en-US" altLang="zh-CN" dirty="0" smtClean="0"/>
+            </a:br>
             <a:endParaRPr lang="zh-CN" altLang="en-US" dirty="0"/>
           </a:p>
         </p:txBody>
       </p:sp>
       <p:sp>
         <p:nvSpPr>
-          <p:cNvPr id="3" name="内容占位符 2"/>
+          <p:cNvPr id="11" name="内容占位符 10"/>
           <p:cNvSpPr>
             <a:spLocks noGrp="1"/>
           </p:cNvSpPr>
@@ -13553,11 +14809,50 @@
           </a:p>
         </p:txBody>
       </p:sp>
+      <p:pic>
+        <p:nvPicPr>
+          <p:cNvPr id="1034" name="Picture 10"/>
+          <p:cNvPicPr>
+            <a:picLocks noChangeAspect="1" noChangeArrowheads="1"/>
+          </p:cNvPicPr>
+          <p:nvPr/>
+        </p:nvPicPr>
+        <p:blipFill>
+          <a:blip r:embed="rId2" cstate="print"/>
+          <a:srcRect/>
+          <a:stretch>
+            <a:fillRect/>
+          </a:stretch>
+        </p:blipFill>
+        <p:spPr bwMode="auto">
+          <a:xfrm>
+            <a:off x="1763688" y="1052736"/>
+            <a:ext cx="5619750" cy="5486400"/>
+          </a:xfrm>
+          <a:prstGeom prst="rect">
+            <a:avLst/>
+          </a:prstGeom>
+          <a:noFill/>
+          <a:ln w="9525">
+            <a:noFill/>
+            <a:miter lim="800000"/>
+            <a:headEnd/>
+            <a:tailEnd/>
+          </a:ln>
+        </p:spPr>
+      </p:pic>
     </p:spTree>
   </p:cSld>
   <p:clrMapOvr>
     <a:masterClrMapping/>
   </p:clrMapOvr>
+  <p:timing>
+    <p:tnLst>
+      <p:par>
+        <p:cTn id="1" dur="indefinite" restart="never" nodeType="tmRoot"/>
+      </p:par>
+    </p:tnLst>
+  </p:timing>
 </p:sld>
 </file>
 
